--- a/人工智能/PowerPoint笔记/第二课/2.02理解Mini-batch梯度下降法.pptx
+++ b/人工智能/PowerPoint笔记/第二课/2.02理解Mini-batch梯度下降法.pptx
@@ -6,6 +6,8 @@
   </p:sldMasterIdLst>
   <p:sldIdLst>
     <p:sldId id="256" r:id="rId3"/>
+    <p:sldId id="257" r:id="rId4"/>
+    <p:sldId id="258" r:id="rId5"/>
   </p:sldIdLst>
   <p:sldSz cx="12192000" cy="6858000"/>
   <p:notesSz cx="7103745" cy="10234295"/>
@@ -2622,35 +2624,732 @@
       <p:grpSpPr/>
       <p:sp>
         <p:nvSpPr>
-          <p:cNvPr id="2" name="标题 1"/>
-          <p:cNvSpPr>
-            <a:spLocks noGrp="1"/>
-          </p:cNvSpPr>
-          <p:nvPr>
-            <p:ph type="ctrTitle"/>
-          </p:nvPr>
-        </p:nvSpPr>
-        <p:spPr/>
-        <p:txBody>
-          <a:bodyPr/>
-          <a:p>
-            <a:endParaRPr lang="zh-CN" altLang="en-US"/>
-          </a:p>
-        </p:txBody>
-      </p:sp>
-      <p:sp>
-        <p:nvSpPr>
-          <p:cNvPr id="3" name="副标题 2"/>
-          <p:cNvSpPr>
-            <a:spLocks noGrp="1"/>
-          </p:cNvSpPr>
-          <p:nvPr>
-            <p:ph type="subTitle" idx="1"/>
-          </p:nvPr>
-        </p:nvSpPr>
-        <p:spPr/>
-        <p:txBody>
-          <a:bodyPr/>
+          <p:cNvPr id="4" name="文本框 3"/>
+          <p:cNvSpPr txBox="1"/>
+          <p:nvPr/>
+        </p:nvSpPr>
+        <p:spPr>
+          <a:xfrm>
+            <a:off x="175895" y="172720"/>
+            <a:ext cx="11856720" cy="6739255"/>
+          </a:xfrm>
+          <a:prstGeom prst="rect">
+            <a:avLst/>
+          </a:prstGeom>
+          <a:noFill/>
+        </p:spPr>
+        <p:txBody>
+          <a:bodyPr wrap="square" rtlCol="0">
+            <a:spAutoFit/>
+          </a:bodyPr>
+          <a:p>
+            <a:r>
+              <a:rPr lang="zh-CN" altLang="en-US"/>
+              <a:t>在使用</a:t>
+            </a:r>
+            <a:r>
+              <a:rPr lang="en-US" altLang="zh-CN"/>
+              <a:t>Batch</a:t>
+            </a:r>
+            <a:r>
+              <a:rPr lang="zh-CN" altLang="en-US"/>
+              <a:t>（</a:t>
+            </a:r>
+            <a:r>
+              <a:rPr lang="en-US" altLang="zh-CN"/>
+              <a:t>Batch size = m)</a:t>
+            </a:r>
+            <a:r>
+              <a:rPr lang="zh-CN" altLang="en-US"/>
+              <a:t>梯度下降的时候我们的损失函数可能如下图所示：</a:t>
+            </a:r>
+            <a:endParaRPr lang="zh-CN" altLang="en-US"/>
+          </a:p>
+          <a:p>
+            <a:endParaRPr lang="zh-CN" altLang="en-US"/>
+          </a:p>
+          <a:p>
+            <a:endParaRPr lang="zh-CN" altLang="en-US"/>
+          </a:p>
+          <a:p>
+            <a:endParaRPr lang="zh-CN" altLang="en-US"/>
+          </a:p>
+          <a:p>
+            <a:endParaRPr lang="zh-CN" altLang="en-US"/>
+          </a:p>
+          <a:p>
+            <a:endParaRPr lang="zh-CN" altLang="en-US"/>
+          </a:p>
+          <a:p>
+            <a:endParaRPr lang="zh-CN" altLang="en-US"/>
+          </a:p>
+          <a:p>
+            <a:endParaRPr lang="zh-CN" altLang="en-US"/>
+          </a:p>
+          <a:p>
+            <a:endParaRPr lang="zh-CN" altLang="en-US"/>
+          </a:p>
+          <a:p>
+            <a:endParaRPr lang="zh-CN" altLang="en-US"/>
+          </a:p>
+          <a:p>
+            <a:endParaRPr lang="zh-CN" altLang="en-US"/>
+          </a:p>
+          <a:p>
+            <a:r>
+              <a:rPr lang="zh-CN" altLang="en-US"/>
+              <a:t>而对于</a:t>
+            </a:r>
+            <a:r>
+              <a:rPr lang="en-US" altLang="zh-CN"/>
+              <a:t>Mini-batch</a:t>
+            </a:r>
+            <a:r>
+              <a:rPr lang="zh-CN" altLang="en-US"/>
+              <a:t>，我们的损失函数可能就会像下图这样：</a:t>
+            </a:r>
+            <a:endParaRPr lang="zh-CN" altLang="en-US"/>
+          </a:p>
+          <a:p>
+            <a:endParaRPr lang="zh-CN" altLang="en-US"/>
+          </a:p>
+          <a:p>
+            <a:r>
+              <a:rPr lang="zh-CN" altLang="en-US"/>
+              <a:t>这是因为，对于</a:t>
+            </a:r>
+            <a:r>
+              <a:rPr lang="en-US" altLang="zh-CN"/>
+              <a:t>Mini-batch</a:t>
+            </a:r>
+            <a:r>
+              <a:rPr lang="zh-CN" altLang="en-US"/>
+              <a:t>，我们每次的梯度下降处理的是</a:t>
+            </a:r>
+            <a:endParaRPr lang="zh-CN" altLang="en-US"/>
+          </a:p>
+          <a:p>
+            <a:endParaRPr lang="zh-CN" altLang="en-US"/>
+          </a:p>
+          <a:p>
+            <a:r>
+              <a:rPr lang="zh-CN" altLang="en-US"/>
+              <a:t>整体样本的一个子集，也就是说，除非全部子集训练完毕</a:t>
+            </a:r>
+            <a:endParaRPr lang="zh-CN" altLang="en-US"/>
+          </a:p>
+          <a:p>
+            <a:endParaRPr lang="zh-CN" altLang="en-US"/>
+          </a:p>
+          <a:p>
+            <a:r>
+              <a:rPr lang="zh-CN" altLang="en-US"/>
+              <a:t>每一次迭代执行梯度下降都是使用的不同的子集，每次计</a:t>
+            </a:r>
+            <a:endParaRPr lang="zh-CN" altLang="en-US"/>
+          </a:p>
+          <a:p>
+            <a:endParaRPr lang="zh-CN" altLang="en-US"/>
+          </a:p>
+          <a:p>
+            <a:r>
+              <a:rPr lang="zh-CN" altLang="en-US"/>
+              <a:t>算出来其实是</a:t>
+            </a:r>
+            <a:r>
+              <a:rPr lang="en-US" altLang="zh-CN"/>
+              <a:t>J{t}.</a:t>
+            </a:r>
+            <a:r>
+              <a:rPr lang="zh-CN" altLang="en-US"/>
+              <a:t>因此</a:t>
+            </a:r>
+            <a:r>
+              <a:rPr lang="en-US" altLang="zh-CN"/>
+              <a:t>J</a:t>
+            </a:r>
+            <a:r>
+              <a:rPr lang="zh-CN" altLang="en-US"/>
+              <a:t>的趋势图才会呈现右边的趋势（</a:t>
+            </a:r>
+            <a:endParaRPr lang="zh-CN" altLang="en-US"/>
+          </a:p>
+          <a:p>
+            <a:r>
+              <a:rPr lang="zh-CN" altLang="en-US"/>
+              <a:t>在波动中逐渐下降）。</a:t>
+            </a:r>
+            <a:endParaRPr lang="en-US" altLang="zh-CN"/>
+          </a:p>
+          <a:p>
+            <a:endParaRPr lang="zh-CN" altLang="en-US"/>
+          </a:p>
+          <a:p>
+            <a:endParaRPr lang="zh-CN" altLang="en-US"/>
+          </a:p>
+          <a:p>
+            <a:endParaRPr lang="zh-CN" altLang="en-US"/>
+          </a:p>
+        </p:txBody>
+      </p:sp>
+      <p:pic>
+        <p:nvPicPr>
+          <p:cNvPr id="5" name="图片 4"/>
+          <p:cNvPicPr>
+            <a:picLocks noChangeAspect="1"/>
+          </p:cNvPicPr>
+          <p:nvPr/>
+        </p:nvPicPr>
+        <p:blipFill>
+          <a:blip r:embed="rId1"/>
+          <a:stretch>
+            <a:fillRect/>
+          </a:stretch>
+        </p:blipFill>
+        <p:spPr>
+          <a:xfrm>
+            <a:off x="483870" y="565150"/>
+            <a:ext cx="3390900" cy="2468880"/>
+          </a:xfrm>
+          <a:prstGeom prst="rect">
+            <a:avLst/>
+          </a:prstGeom>
+        </p:spPr>
+      </p:pic>
+      <p:pic>
+        <p:nvPicPr>
+          <p:cNvPr id="6" name="图片 5"/>
+          <p:cNvPicPr>
+            <a:picLocks noChangeAspect="1"/>
+          </p:cNvPicPr>
+          <p:nvPr/>
+        </p:nvPicPr>
+        <p:blipFill>
+          <a:blip r:embed="rId2"/>
+          <a:stretch>
+            <a:fillRect/>
+          </a:stretch>
+        </p:blipFill>
+        <p:spPr>
+          <a:xfrm>
+            <a:off x="6642100" y="3034030"/>
+            <a:ext cx="3352800" cy="2400300"/>
+          </a:xfrm>
+          <a:prstGeom prst="rect">
+            <a:avLst/>
+          </a:prstGeom>
+        </p:spPr>
+      </p:pic>
+    </p:spTree>
+  </p:cSld>
+  <p:clrMapOvr>
+    <a:masterClrMapping/>
+  </p:clrMapOvr>
+</p:sld>
+</file>
+
+<file path=ppt/slides/slide2.xml><?xml version="1.0" encoding="utf-8"?>
+<p:sld xmlns:a="http://schemas.openxmlformats.org/drawingml/2006/main" xmlns:r="http://schemas.openxmlformats.org/officeDocument/2006/relationships" xmlns:p="http://schemas.openxmlformats.org/presentationml/2006/main">
+  <p:cSld>
+    <p:spTree>
+      <p:nvGrpSpPr>
+        <p:cNvPr id="1" name=""/>
+        <p:cNvGrpSpPr/>
+        <p:nvPr/>
+      </p:nvGrpSpPr>
+      <p:grpSpPr/>
+      <p:sp>
+        <p:nvSpPr>
+          <p:cNvPr id="2" name="文本框 1"/>
+          <p:cNvSpPr txBox="1"/>
+          <p:nvPr/>
+        </p:nvSpPr>
+        <p:spPr>
+          <a:xfrm>
+            <a:off x="193675" y="172720"/>
+            <a:ext cx="11750675" cy="5631180"/>
+          </a:xfrm>
+          <a:prstGeom prst="rect">
+            <a:avLst/>
+          </a:prstGeom>
+          <a:noFill/>
+        </p:spPr>
+        <p:txBody>
+          <a:bodyPr wrap="square" rtlCol="0">
+            <a:spAutoFit/>
+          </a:bodyPr>
+          <a:p>
+            <a:r>
+              <a:rPr lang="zh-CN" altLang="en-US"/>
+              <a:t>在使用</a:t>
+            </a:r>
+            <a:r>
+              <a:rPr lang="en-US" altLang="zh-CN"/>
+              <a:t>Mini-Batch</a:t>
+            </a:r>
+            <a:r>
+              <a:rPr lang="zh-CN" altLang="en-US"/>
+              <a:t>算法的时候一个问题就是我们如何去选择</a:t>
+            </a:r>
+            <a:r>
+              <a:rPr lang="en-US" altLang="zh-CN"/>
+              <a:t>Mini-Batch</a:t>
+            </a:r>
+            <a:r>
+              <a:rPr lang="zh-CN" altLang="en-US"/>
+              <a:t>的大小</a:t>
+            </a:r>
+            <a:endParaRPr lang="zh-CN" altLang="en-US"/>
+          </a:p>
+          <a:p>
+            <a:endParaRPr lang="zh-CN" altLang="en-US"/>
+          </a:p>
+          <a:p>
+            <a:r>
+              <a:rPr lang="zh-CN" altLang="en-US"/>
+              <a:t> 这里有两种极端的情况：</a:t>
+            </a:r>
+            <a:endParaRPr lang="zh-CN" altLang="en-US"/>
+          </a:p>
+          <a:p>
+            <a:endParaRPr lang="zh-CN" altLang="en-US"/>
+          </a:p>
+          <a:p>
+            <a:r>
+              <a:rPr lang="en-US" altLang="zh-CN"/>
+              <a:t>1.batch-size = m</a:t>
+            </a:r>
+            <a:endParaRPr lang="en-US" altLang="zh-CN"/>
+          </a:p>
+          <a:p>
+            <a:r>
+              <a:rPr lang="en-US" altLang="zh-CN"/>
+              <a:t>	</a:t>
+            </a:r>
+            <a:r>
+              <a:rPr lang="zh-CN" altLang="en-US"/>
+              <a:t>很明显，如果使用整个训练集作为一个集合的话，</a:t>
+            </a:r>
+            <a:endParaRPr lang="zh-CN" altLang="en-US"/>
+          </a:p>
+          <a:p>
+            <a:r>
+              <a:rPr lang="en-US" altLang="zh-CN"/>
+              <a:t>	</a:t>
+            </a:r>
+            <a:r>
+              <a:rPr lang="zh-CN" altLang="en-US"/>
+              <a:t>训练的时候训练噪音会减少许多。它的梯度下降</a:t>
+            </a:r>
+            <a:endParaRPr lang="zh-CN" altLang="en-US"/>
+          </a:p>
+          <a:p>
+            <a:r>
+              <a:rPr lang="en-US" altLang="zh-CN"/>
+              <a:t>	</a:t>
+            </a:r>
+            <a:r>
+              <a:rPr lang="zh-CN" altLang="en-US"/>
+              <a:t>可能如右图所示：</a:t>
+            </a:r>
+            <a:endParaRPr lang="zh-CN" altLang="en-US"/>
+          </a:p>
+          <a:p>
+            <a:r>
+              <a:rPr lang="en-US" altLang="zh-CN"/>
+              <a:t>	</a:t>
+            </a:r>
+            <a:r>
+              <a:rPr lang="zh-CN" altLang="en-US"/>
+              <a:t>但它的一个缺点就是每次迭代都要处理大量的样</a:t>
+            </a:r>
+            <a:endParaRPr lang="zh-CN" altLang="en-US"/>
+          </a:p>
+          <a:p>
+            <a:r>
+              <a:rPr lang="en-US" altLang="zh-CN"/>
+              <a:t>	</a:t>
+            </a:r>
+            <a:r>
+              <a:rPr lang="zh-CN" altLang="en-US"/>
+              <a:t>本。单词迭代耗时太长。</a:t>
+            </a:r>
+            <a:endParaRPr lang="zh-CN" altLang="en-US"/>
+          </a:p>
+          <a:p>
+            <a:endParaRPr lang="zh-CN" altLang="en-US"/>
+          </a:p>
+          <a:p>
+            <a:endParaRPr lang="zh-CN" altLang="en-US"/>
+          </a:p>
+          <a:p>
+            <a:r>
+              <a:rPr lang="en-US" altLang="zh-CN"/>
+              <a:t>2.batch-size = 1</a:t>
+            </a:r>
+            <a:endParaRPr lang="en-US" altLang="zh-CN"/>
+          </a:p>
+          <a:p>
+            <a:r>
+              <a:rPr lang="en-US" altLang="zh-CN"/>
+              <a:t>	</a:t>
+            </a:r>
+            <a:r>
+              <a:rPr lang="zh-CN" altLang="en-US"/>
+              <a:t>而对于这种的，每次只是对一个样本进行梯度下降。</a:t>
+            </a:r>
+            <a:endParaRPr lang="zh-CN" altLang="en-US"/>
+          </a:p>
+          <a:p>
+            <a:r>
+              <a:rPr lang="en-US" altLang="zh-CN"/>
+              <a:t>	</a:t>
+            </a:r>
+            <a:r>
+              <a:rPr lang="zh-CN" altLang="en-US"/>
+              <a:t>大部分时候会向着全局最小值靠近，有时候会远离</a:t>
+            </a:r>
+            <a:endParaRPr lang="zh-CN" altLang="en-US"/>
+          </a:p>
+          <a:p>
+            <a:r>
+              <a:rPr lang="en-US" altLang="zh-CN"/>
+              <a:t>	</a:t>
+            </a:r>
+            <a:r>
+              <a:rPr lang="zh-CN" altLang="en-US"/>
+              <a:t>最小值。因此随机梯度下降是有很多噪声的。因此</a:t>
+            </a:r>
+            <a:endParaRPr lang="zh-CN" altLang="en-US"/>
+          </a:p>
+          <a:p>
+            <a:r>
+              <a:rPr lang="en-US" altLang="zh-CN"/>
+              <a:t>	</a:t>
+            </a:r>
+            <a:r>
+              <a:rPr lang="zh-CN" altLang="en-US"/>
+              <a:t>可能的图形就如右图所示：（局部），最终它会在</a:t>
+            </a:r>
+            <a:endParaRPr lang="zh-CN" altLang="en-US"/>
+          </a:p>
+          <a:p>
+            <a:r>
+              <a:rPr lang="en-US" altLang="zh-CN"/>
+              <a:t>	</a:t>
+            </a:r>
+            <a:r>
+              <a:rPr lang="zh-CN" altLang="en-US"/>
+              <a:t>最小值的附近波动。 </a:t>
+            </a:r>
+            <a:endParaRPr lang="zh-CN" altLang="en-US"/>
+          </a:p>
+          <a:p>
+            <a:r>
+              <a:rPr lang="en-US" altLang="zh-CN"/>
+              <a:t>	</a:t>
+            </a:r>
+            <a:r>
+              <a:rPr lang="zh-CN" altLang="en-US"/>
+              <a:t>缺点是因为每次迭代我们只是处理单个样本，我们</a:t>
+            </a:r>
+            <a:endParaRPr lang="zh-CN" altLang="en-US"/>
+          </a:p>
+          <a:p>
+            <a:r>
+              <a:rPr lang="en-US" altLang="zh-CN"/>
+              <a:t>	</a:t>
+            </a:r>
+            <a:r>
+              <a:rPr lang="zh-CN" altLang="en-US"/>
+              <a:t>将失去向量化带来的加速效果。</a:t>
+            </a:r>
+            <a:endParaRPr lang="zh-CN" altLang="en-US"/>
+          </a:p>
+        </p:txBody>
+      </p:sp>
+      <p:pic>
+        <p:nvPicPr>
+          <p:cNvPr id="3" name="图片 2"/>
+          <p:cNvPicPr>
+            <a:picLocks noChangeAspect="1"/>
+          </p:cNvPicPr>
+          <p:nvPr/>
+        </p:nvPicPr>
+        <p:blipFill>
+          <a:blip r:embed="rId1"/>
+          <a:stretch>
+            <a:fillRect/>
+          </a:stretch>
+        </p:blipFill>
+        <p:spPr>
+          <a:xfrm>
+            <a:off x="9064625" y="765810"/>
+            <a:ext cx="2354580" cy="2209800"/>
+          </a:xfrm>
+          <a:prstGeom prst="rect">
+            <a:avLst/>
+          </a:prstGeom>
+        </p:spPr>
+      </p:pic>
+      <p:pic>
+        <p:nvPicPr>
+          <p:cNvPr id="4" name="图片 3"/>
+          <p:cNvPicPr>
+            <a:picLocks noChangeAspect="1"/>
+          </p:cNvPicPr>
+          <p:nvPr/>
+        </p:nvPicPr>
+        <p:blipFill>
+          <a:blip r:embed="rId2"/>
+          <a:stretch>
+            <a:fillRect/>
+          </a:stretch>
+        </p:blipFill>
+        <p:spPr>
+          <a:xfrm>
+            <a:off x="8575040" y="3310890"/>
+            <a:ext cx="2735580" cy="1371600"/>
+          </a:xfrm>
+          <a:prstGeom prst="rect">
+            <a:avLst/>
+          </a:prstGeom>
+        </p:spPr>
+      </p:pic>
+    </p:spTree>
+  </p:cSld>
+  <p:clrMapOvr>
+    <a:masterClrMapping/>
+  </p:clrMapOvr>
+</p:sld>
+</file>
+
+<file path=ppt/slides/slide3.xml><?xml version="1.0" encoding="utf-8"?>
+<p:sld xmlns:a="http://schemas.openxmlformats.org/drawingml/2006/main" xmlns:r="http://schemas.openxmlformats.org/officeDocument/2006/relationships" xmlns:p="http://schemas.openxmlformats.org/presentationml/2006/main">
+  <p:cSld>
+    <p:spTree>
+      <p:nvGrpSpPr>
+        <p:cNvPr id="1" name=""/>
+        <p:cNvGrpSpPr/>
+        <p:nvPr/>
+      </p:nvGrpSpPr>
+      <p:grpSpPr/>
+      <p:sp>
+        <p:nvSpPr>
+          <p:cNvPr id="2" name="文本框 1"/>
+          <p:cNvSpPr txBox="1"/>
+          <p:nvPr/>
+        </p:nvSpPr>
+        <p:spPr>
+          <a:xfrm>
+            <a:off x="264160" y="190500"/>
+            <a:ext cx="11750675" cy="4246245"/>
+          </a:xfrm>
+          <a:prstGeom prst="rect">
+            <a:avLst/>
+          </a:prstGeom>
+          <a:noFill/>
+        </p:spPr>
+        <p:txBody>
+          <a:bodyPr wrap="square" rtlCol="0">
+            <a:spAutoFit/>
+          </a:bodyPr>
+          <a:p>
+            <a:r>
+              <a:rPr lang="zh-CN" altLang="en-US"/>
+              <a:t>因此，我们应该选择的</a:t>
+            </a:r>
+            <a:r>
+              <a:rPr lang="en-US" altLang="zh-CN"/>
+              <a:t>Mini-Batch-Size</a:t>
+            </a:r>
+            <a:r>
+              <a:rPr lang="zh-CN" altLang="en-US"/>
+              <a:t>应该在</a:t>
+            </a:r>
+            <a:r>
+              <a:rPr lang="en-US" altLang="zh-CN"/>
+              <a:t>1</a:t>
+            </a:r>
+            <a:r>
+              <a:rPr lang="zh-CN" altLang="en-US"/>
+              <a:t>（太小）和</a:t>
+            </a:r>
+            <a:r>
+              <a:rPr lang="en-US" altLang="zh-CN"/>
+              <a:t>m</a:t>
+            </a:r>
+            <a:r>
+              <a:rPr lang="zh-CN" altLang="en-US"/>
+              <a:t>（太大）</a:t>
+            </a:r>
+            <a:r>
+              <a:rPr lang="zh-CN" altLang="en-US"/>
+              <a:t>之间。来让整个系统的学习效率达到最高。</a:t>
+            </a:r>
+            <a:endParaRPr lang="zh-CN" altLang="en-US"/>
+          </a:p>
+          <a:p>
+            <a:endParaRPr lang="zh-CN" altLang="en-US"/>
+          </a:p>
+          <a:p>
+            <a:r>
+              <a:rPr lang="zh-CN" altLang="en-US"/>
+              <a:t>选用合适的</a:t>
+            </a:r>
+            <a:r>
+              <a:rPr lang="en-US" altLang="zh-CN"/>
+              <a:t>Mini-Batch-Size</a:t>
+            </a:r>
+            <a:r>
+              <a:rPr lang="zh-CN" altLang="en-US"/>
+              <a:t>将有下面两个优点：</a:t>
+            </a:r>
+            <a:endParaRPr lang="zh-CN" altLang="en-US"/>
+          </a:p>
+          <a:p>
+            <a:r>
+              <a:rPr lang="en-US" altLang="zh-CN"/>
+              <a:t>	1.</a:t>
+            </a:r>
+            <a:r>
+              <a:rPr lang="zh-CN" altLang="en-US"/>
+              <a:t>我们将有大量向量化。可以享用向量化的加速。</a:t>
+            </a:r>
+            <a:endParaRPr lang="zh-CN" altLang="en-US"/>
+          </a:p>
+          <a:p>
+            <a:r>
+              <a:rPr lang="en-US" altLang="zh-CN"/>
+              <a:t>	2.</a:t>
+            </a:r>
+            <a:r>
+              <a:rPr lang="zh-CN" altLang="en-US"/>
+              <a:t>你不需要等待整个训练集被处理完，就可以开始进行后续的工作。</a:t>
+            </a:r>
+            <a:endParaRPr lang="zh-CN" altLang="en-US"/>
+          </a:p>
+          <a:p>
+            <a:endParaRPr lang="zh-CN" altLang="en-US"/>
+          </a:p>
+          <a:p>
+            <a:r>
+              <a:rPr lang="zh-CN" altLang="en-US"/>
+              <a:t>因此我们应该选择合适的大小：</a:t>
+            </a:r>
+            <a:endParaRPr lang="zh-CN" altLang="en-US"/>
+          </a:p>
+          <a:p>
+            <a:r>
+              <a:rPr lang="en-US" altLang="zh-CN"/>
+              <a:t>	</a:t>
+            </a:r>
+            <a:endParaRPr lang="zh-CN" altLang="en-US"/>
+          </a:p>
+          <a:p>
+            <a:r>
+              <a:rPr lang="zh-CN" altLang="en-US"/>
+              <a:t>首先，如果整个训练集比较小的话，比如说</a:t>
+            </a:r>
+            <a:r>
+              <a:rPr lang="en-US" altLang="zh-CN"/>
+              <a:t>&lt;=2000</a:t>
+            </a:r>
+            <a:r>
+              <a:rPr lang="zh-CN" altLang="en-US"/>
+              <a:t>的话，我们可以选择使用</a:t>
+            </a:r>
+            <a:r>
+              <a:rPr lang="en-US" altLang="zh-CN"/>
+              <a:t>Batch</a:t>
+            </a:r>
+            <a:r>
+              <a:rPr lang="zh-CN" altLang="en-US"/>
+              <a:t>算法，即</a:t>
+            </a:r>
+            <a:r>
+              <a:rPr lang="en-US" altLang="zh-CN"/>
+              <a:t>Batch-Size=m</a:t>
+            </a:r>
+            <a:endParaRPr lang="en-US" altLang="zh-CN"/>
+          </a:p>
+          <a:p>
+            <a:endParaRPr lang="en-US" altLang="zh-CN"/>
+          </a:p>
+          <a:p>
+            <a:r>
+              <a:rPr lang="zh-CN" altLang="en-US"/>
+              <a:t>如果整个训练集比较大的话，我们一般的</a:t>
+            </a:r>
+            <a:r>
+              <a:rPr lang="en-US" altLang="zh-CN"/>
+              <a:t>mini-batch-size</a:t>
+            </a:r>
+            <a:r>
+              <a:rPr lang="zh-CN" altLang="en-US"/>
+              <a:t>为</a:t>
+            </a:r>
+            <a:r>
+              <a:rPr lang="en-US" altLang="zh-CN"/>
+              <a:t>64-512</a:t>
+            </a:r>
+            <a:r>
+              <a:rPr lang="zh-CN" altLang="en-US"/>
+              <a:t>，我们要尽量选择</a:t>
+            </a:r>
+            <a:r>
+              <a:rPr lang="en-US" altLang="zh-CN"/>
+              <a:t>mini-batch-size</a:t>
+            </a:r>
+            <a:r>
+              <a:rPr lang="zh-CN" altLang="en-US"/>
+              <a:t>的大小符合</a:t>
+            </a:r>
+            <a:r>
+              <a:rPr lang="en-US" altLang="zh-CN"/>
+              <a:t>2</a:t>
+            </a:r>
+            <a:r>
+              <a:rPr lang="zh-CN" altLang="en-US"/>
+              <a:t>的次方，这样做是为了符合计算机内部的内存和处理方式 。我们的代码可能会运行的快一些。所以我们可供选择的大小有：</a:t>
+            </a:r>
+            <a:r>
+              <a:rPr lang="en-US" altLang="zh-CN"/>
+              <a:t>64</a:t>
+            </a:r>
+            <a:r>
+              <a:rPr lang="zh-CN" altLang="en-US"/>
+              <a:t>，</a:t>
+            </a:r>
+            <a:r>
+              <a:rPr lang="en-US" altLang="zh-CN"/>
+              <a:t>125</a:t>
+            </a:r>
+            <a:r>
+              <a:rPr lang="zh-CN" altLang="en-US"/>
+              <a:t>，</a:t>
+            </a:r>
+            <a:r>
+              <a:rPr lang="en-US" altLang="zh-CN"/>
+              <a:t>256</a:t>
+            </a:r>
+            <a:r>
+              <a:rPr lang="zh-CN" altLang="en-US"/>
+              <a:t>，</a:t>
+            </a:r>
+            <a:r>
+              <a:rPr lang="en-US" altLang="zh-CN"/>
+              <a:t>512</a:t>
+            </a:r>
+            <a:r>
+              <a:rPr lang="zh-CN" altLang="en-US"/>
+              <a:t>。</a:t>
+            </a:r>
+            <a:endParaRPr lang="zh-CN" altLang="en-US"/>
+          </a:p>
+          <a:p>
+            <a:endParaRPr lang="zh-CN" altLang="en-US"/>
+          </a:p>
           <a:p>
             <a:endParaRPr lang="zh-CN" altLang="en-US"/>
           </a:p>
